--- a/maquettes/maquetteHD.pptx
+++ b/maquettes/maquetteHD.pptx
@@ -5,7 +5,7 @@
     <p:sldMasterId id="2147483672" r:id="rId1"/>
   </p:sldMasterIdLst>
   <p:notesMasterIdLst>
-    <p:notesMasterId r:id="rId18"/>
+    <p:notesMasterId r:id="rId19"/>
   </p:notesMasterIdLst>
   <p:sldIdLst>
     <p:sldId id="258" r:id="rId2"/>
@@ -24,6 +24,7 @@
     <p:sldId id="275" r:id="rId15"/>
     <p:sldId id="278" r:id="rId16"/>
     <p:sldId id="269" r:id="rId17"/>
+    <p:sldId id="281" r:id="rId18"/>
   </p:sldIdLst>
   <p:sldSz cx="7559675" cy="10691813"/>
   <p:notesSz cx="6858000" cy="9144000"/>
@@ -212,7 +213,7 @@
           <a:p>
             <a:fld id="{DF49FE40-4DBE-4F01-B0D4-F23081CB8554}" type="datetimeFigureOut">
               <a:rPr lang="fr-FR" smtClean="0"/>
-              <a:t>17/09/2025</a:t>
+              <a:t>06/10/2025</a:t>
             </a:fld>
             <a:endParaRPr lang="fr-FR"/>
           </a:p>
@@ -610,7 +611,7 @@
           <a:p>
             <a:fld id="{DAA95BF7-1DCC-4245-B41E-1ED774A32EFB}" type="datetimeFigureOut">
               <a:rPr lang="fr-FR" smtClean="0"/>
-              <a:t>17/09/2025</a:t>
+              <a:t>06/10/2025</a:t>
             </a:fld>
             <a:endParaRPr lang="fr-FR"/>
           </a:p>
@@ -780,7 +781,7 @@
           <a:p>
             <a:fld id="{DAA95BF7-1DCC-4245-B41E-1ED774A32EFB}" type="datetimeFigureOut">
               <a:rPr lang="fr-FR" smtClean="0"/>
-              <a:t>17/09/2025</a:t>
+              <a:t>06/10/2025</a:t>
             </a:fld>
             <a:endParaRPr lang="fr-FR"/>
           </a:p>
@@ -960,7 +961,7 @@
           <a:p>
             <a:fld id="{DAA95BF7-1DCC-4245-B41E-1ED774A32EFB}" type="datetimeFigureOut">
               <a:rPr lang="fr-FR" smtClean="0"/>
-              <a:t>17/09/2025</a:t>
+              <a:t>06/10/2025</a:t>
             </a:fld>
             <a:endParaRPr lang="fr-FR"/>
           </a:p>
@@ -1130,7 +1131,7 @@
           <a:p>
             <a:fld id="{DAA95BF7-1DCC-4245-B41E-1ED774A32EFB}" type="datetimeFigureOut">
               <a:rPr lang="fr-FR" smtClean="0"/>
-              <a:t>17/09/2025</a:t>
+              <a:t>06/10/2025</a:t>
             </a:fld>
             <a:endParaRPr lang="fr-FR"/>
           </a:p>
@@ -1374,7 +1375,7 @@
           <a:p>
             <a:fld id="{DAA95BF7-1DCC-4245-B41E-1ED774A32EFB}" type="datetimeFigureOut">
               <a:rPr lang="fr-FR" smtClean="0"/>
-              <a:t>17/09/2025</a:t>
+              <a:t>06/10/2025</a:t>
             </a:fld>
             <a:endParaRPr lang="fr-FR"/>
           </a:p>
@@ -1606,7 +1607,7 @@
           <a:p>
             <a:fld id="{DAA95BF7-1DCC-4245-B41E-1ED774A32EFB}" type="datetimeFigureOut">
               <a:rPr lang="fr-FR" smtClean="0"/>
-              <a:t>17/09/2025</a:t>
+              <a:t>06/10/2025</a:t>
             </a:fld>
             <a:endParaRPr lang="fr-FR"/>
           </a:p>
@@ -1973,7 +1974,7 @@
           <a:p>
             <a:fld id="{DAA95BF7-1DCC-4245-B41E-1ED774A32EFB}" type="datetimeFigureOut">
               <a:rPr lang="fr-FR" smtClean="0"/>
-              <a:t>17/09/2025</a:t>
+              <a:t>06/10/2025</a:t>
             </a:fld>
             <a:endParaRPr lang="fr-FR"/>
           </a:p>
@@ -2091,7 +2092,7 @@
           <a:p>
             <a:fld id="{DAA95BF7-1DCC-4245-B41E-1ED774A32EFB}" type="datetimeFigureOut">
               <a:rPr lang="fr-FR" smtClean="0"/>
-              <a:t>17/09/2025</a:t>
+              <a:t>06/10/2025</a:t>
             </a:fld>
             <a:endParaRPr lang="fr-FR"/>
           </a:p>
@@ -2186,7 +2187,7 @@
           <a:p>
             <a:fld id="{DAA95BF7-1DCC-4245-B41E-1ED774A32EFB}" type="datetimeFigureOut">
               <a:rPr lang="fr-FR" smtClean="0"/>
-              <a:t>17/09/2025</a:t>
+              <a:t>06/10/2025</a:t>
             </a:fld>
             <a:endParaRPr lang="fr-FR"/>
           </a:p>
@@ -2463,7 +2464,7 @@
           <a:p>
             <a:fld id="{DAA95BF7-1DCC-4245-B41E-1ED774A32EFB}" type="datetimeFigureOut">
               <a:rPr lang="fr-FR" smtClean="0"/>
-              <a:t>17/09/2025</a:t>
+              <a:t>06/10/2025</a:t>
             </a:fld>
             <a:endParaRPr lang="fr-FR"/>
           </a:p>
@@ -2720,7 +2721,7 @@
           <a:p>
             <a:fld id="{DAA95BF7-1DCC-4245-B41E-1ED774A32EFB}" type="datetimeFigureOut">
               <a:rPr lang="fr-FR" smtClean="0"/>
-              <a:t>17/09/2025</a:t>
+              <a:t>06/10/2025</a:t>
             </a:fld>
             <a:endParaRPr lang="fr-FR"/>
           </a:p>
@@ -2933,7 +2934,7 @@
           <a:p>
             <a:fld id="{DAA95BF7-1DCC-4245-B41E-1ED774A32EFB}" type="datetimeFigureOut">
               <a:rPr lang="fr-FR" smtClean="0"/>
-              <a:t>17/09/2025</a:t>
+              <a:t>06/10/2025</a:t>
             </a:fld>
             <a:endParaRPr lang="fr-FR"/>
           </a:p>
@@ -10686,6 +10687,66 @@
     <p:extLst>
       <p:ext uri="{BB962C8B-B14F-4D97-AF65-F5344CB8AC3E}">
         <p14:creationId xmlns:p14="http://schemas.microsoft.com/office/powerpoint/2010/main" val="4227474892"/>
+      </p:ext>
+    </p:extLst>
+  </p:cSld>
+  <p:clrMapOvr>
+    <a:masterClrMapping/>
+  </p:clrMapOvr>
+</p:sld>
+</file>
+
+<file path=ppt/slides/slide17.xml><?xml version="1.0" encoding="utf-8"?>
+<p:sld xmlns:a="http://schemas.openxmlformats.org/drawingml/2006/main" xmlns:r="http://schemas.openxmlformats.org/officeDocument/2006/relationships" xmlns:p="http://schemas.openxmlformats.org/presentationml/2006/main">
+  <p:cSld>
+    <p:spTree>
+      <p:nvGrpSpPr>
+        <p:cNvPr id="1" name=""/>
+        <p:cNvGrpSpPr/>
+        <p:nvPr/>
+      </p:nvGrpSpPr>
+      <p:grpSpPr>
+        <a:xfrm>
+          <a:off x="0" y="0"/>
+          <a:ext cx="0" cy="0"/>
+          <a:chOff x="0" y="0"/>
+          <a:chExt cx="0" cy="0"/>
+        </a:xfrm>
+      </p:grpSpPr>
+      <p:pic>
+        <p:nvPicPr>
+          <p:cNvPr id="3" name="Image 2">
+            <a:extLst>
+              <a:ext uri="{FF2B5EF4-FFF2-40B4-BE49-F238E27FC236}">
+                <a16:creationId xmlns:a16="http://schemas.microsoft.com/office/drawing/2014/main" id="{C70B93AA-BB49-DAA3-2435-D9C0249F738A}"/>
+              </a:ext>
+            </a:extLst>
+          </p:cNvPr>
+          <p:cNvPicPr>
+            <a:picLocks noChangeAspect="1"/>
+          </p:cNvPicPr>
+          <p:nvPr/>
+        </p:nvPicPr>
+        <p:blipFill>
+          <a:blip r:embed="rId2"/>
+          <a:stretch>
+            <a:fillRect/>
+          </a:stretch>
+        </p:blipFill>
+        <p:spPr>
+          <a:xfrm>
+            <a:off x="0" y="4309677"/>
+            <a:ext cx="7559675" cy="2072458"/>
+          </a:xfrm>
+          <a:prstGeom prst="rect">
+            <a:avLst/>
+          </a:prstGeom>
+        </p:spPr>
+      </p:pic>
+    </p:spTree>
+    <p:extLst>
+      <p:ext uri="{BB962C8B-B14F-4D97-AF65-F5344CB8AC3E}">
+        <p14:creationId xmlns:p14="http://schemas.microsoft.com/office/powerpoint/2010/main" val="2647404056"/>
       </p:ext>
     </p:extLst>
   </p:cSld>
